--- a/final_project/지능화 캡스톤 기말 프로젝트 중간점검_220523.pptx
+++ b/final_project/지능화 캡스톤 기말 프로젝트 중간점검_220523.pptx
@@ -108,6 +108,11 @@
       </a:defRPr>
     </a:lvl9pPr>
   </p:defaultTextStyle>
+  <p:extLst>
+    <p:ext uri="{EFAFB233-063F-42B5-8137-9DF3F51BA10A}">
+      <p15:sldGuideLst xmlns:p15="http://schemas.microsoft.com/office/powerpoint/2012/main"/>
+    </p:ext>
+  </p:extLst>
 </p:presentation>
 </file>
 
@@ -3347,8 +3352,23 @@
           <a:lstStyle/>
           <a:p>
             <a:r>
-              <a:rPr lang="ko-KR" altLang="en-US"/>
-              <a:t>지능화 캡스톤 기말 프로젝트 중간점검</a:t>
+              <a:rPr lang="ko-KR" altLang="en-US" dirty="0"/>
+              <a:t>지능화 </a:t>
+            </a:r>
+            <a:r>
+              <a:rPr lang="ko-KR" altLang="en-US" dirty="0" err="1"/>
+              <a:t>캡스톤</a:t>
+            </a:r>
+            <a:r>
+              <a:rPr lang="ko-KR" altLang="en-US" dirty="0"/>
+              <a:t> </a:t>
+            </a:r>
+            <a:br>
+              <a:rPr lang="en-US" altLang="ko-KR" dirty="0"/>
+            </a:br>
+            <a:r>
+              <a:rPr lang="ko-KR" altLang="en-US" dirty="0"/>
+              <a:t>기말 프로젝트 중간점검</a:t>
             </a:r>
           </a:p>
         </p:txBody>
@@ -3574,70 +3594,75 @@
           <a:lstStyle/>
           <a:p>
             <a:r>
-              <a:rPr lang="en-US" altLang="ko-KR"/>
+              <a:rPr lang="en-US" altLang="ko-KR" dirty="0" err="1"/>
               <a:t>Roboflow</a:t>
             </a:r>
+            <a:endParaRPr lang="en-US" altLang="ko-KR" dirty="0"/>
           </a:p>
           <a:p>
             <a:pPr lvl="1"/>
             <a:r>
-              <a:rPr lang="en-US" altLang="ko-KR"/>
-              <a:t>Github </a:t>
-            </a:r>
-            <a:r>
-              <a:rPr lang="ko-KR" altLang="en-US"/>
+              <a:rPr lang="en-US" altLang="ko-KR" dirty="0" err="1"/>
+              <a:t>Github</a:t>
+            </a:r>
+            <a:r>
+              <a:rPr lang="en-US" altLang="ko-KR" dirty="0"/>
+              <a:t> </a:t>
+            </a:r>
+            <a:r>
+              <a:rPr lang="ko-KR" altLang="en-US" dirty="0" err="1"/>
               <a:t>서드파티</a:t>
             </a:r>
-            <a:endParaRPr lang="en-US" altLang="ko-KR"/>
+            <a:endParaRPr lang="en-US" altLang="ko-KR" dirty="0"/>
           </a:p>
           <a:p>
             <a:pPr lvl="1"/>
             <a:r>
-              <a:rPr lang="en-US" altLang="ko-KR"/>
-              <a:t>Xml -&gt;</a:t>
-            </a:r>
-            <a:r>
-              <a:rPr lang="ko-KR" altLang="en-US"/>
+              <a:rPr lang="en-US" altLang="ko-KR" dirty="0"/>
+              <a:t>xml -&gt;</a:t>
+            </a:r>
+            <a:r>
+              <a:rPr lang="ko-KR" altLang="en-US" dirty="0"/>
               <a:t> </a:t>
             </a:r>
             <a:r>
-              <a:rPr lang="en-US" altLang="ko-KR"/>
-              <a:t>Txt Annotation</a:t>
-            </a:r>
-            <a:r>
-              <a:rPr lang="ko-KR" altLang="en-US"/>
+              <a:rPr lang="en-US" altLang="ko-KR" dirty="0"/>
+              <a:t>txt Annotation</a:t>
+            </a:r>
+            <a:r>
+              <a:rPr lang="ko-KR" altLang="en-US" dirty="0"/>
               <a:t> </a:t>
             </a:r>
-            <a:endParaRPr lang="en-US" altLang="ko-KR"/>
+            <a:endParaRPr lang="en-US" altLang="ko-KR" dirty="0"/>
           </a:p>
           <a:p>
             <a:pPr lvl="1"/>
-            <a:endParaRPr lang="en-US" altLang="ko-KR"/>
-          </a:p>
-          <a:p>
-            <a:r>
-              <a:rPr lang="en-US" altLang="ko-KR"/>
+            <a:endParaRPr lang="en-US" altLang="ko-KR" dirty="0"/>
+          </a:p>
+          <a:p>
+            <a:r>
+              <a:rPr lang="en-US" altLang="ko-KR" dirty="0"/>
               <a:t>Missing Label Data Check</a:t>
             </a:r>
           </a:p>
           <a:p>
             <a:pPr lvl="1"/>
             <a:r>
-              <a:rPr lang="ko-KR" altLang="en-US"/>
+              <a:rPr lang="ko-KR" altLang="en-US" dirty="0"/>
               <a:t>착용하지 않은 헬멧 등</a:t>
             </a:r>
             <a:br>
-              <a:rPr lang="en-US" altLang="ko-KR"/>
+              <a:rPr lang="en-US" altLang="ko-KR" dirty="0"/>
             </a:br>
             <a:r>
-              <a:rPr lang="ko-KR" altLang="en-US"/>
+              <a:rPr lang="ko-KR" altLang="en-US" dirty="0"/>
               <a:t>학습 데이터에서 제외</a:t>
             </a:r>
-            <a:endParaRPr lang="en-US" altLang="ko-KR"/>
+            <a:endParaRPr lang="en-US" altLang="ko-KR" dirty="0"/>
           </a:p>
           <a:p>
             <a:pPr lvl="1"/>
-            <a:endParaRPr lang="ko-KR" altLang="en-US"/>
+            <a:endParaRPr lang="ko-KR" altLang="en-US" dirty="0"/>
           </a:p>
         </p:txBody>
       </p:sp>
@@ -3753,8 +3778,8 @@
         </p:nvSpPr>
         <p:spPr>
           <a:xfrm>
-            <a:off x="8085220" y="1747179"/>
-            <a:ext cx="2999875" cy="3363642"/>
+            <a:off x="7658100" y="1747179"/>
+            <a:ext cx="3426995" cy="3363642"/>
           </a:xfrm>
         </p:spPr>
         <p:txBody>
@@ -3762,20 +3787,32 @@
           <a:lstStyle/>
           <a:p>
             <a:r>
-              <a:rPr lang="en-US" altLang="ko-KR"/>
-              <a:t>Pytorch</a:t>
-            </a:r>
-          </a:p>
-          <a:p>
-            <a:r>
-              <a:rPr lang="en-US" altLang="ko-KR"/>
-              <a:t>Cuda</a:t>
-            </a:r>
-          </a:p>
-          <a:p>
-            <a:r>
-              <a:rPr lang="en-US" altLang="ko-KR"/>
-              <a:t>GPU</a:t>
+              <a:rPr lang="en-US" altLang="ko-KR" dirty="0"/>
+              <a:t>torch : 1.11</a:t>
+            </a:r>
+          </a:p>
+          <a:p>
+            <a:r>
+              <a:rPr lang="en-US" altLang="ko-KR" dirty="0" err="1"/>
+              <a:t>Cudatoolkit</a:t>
+            </a:r>
+            <a:r>
+              <a:rPr lang="en-US" altLang="ko-KR" dirty="0"/>
+              <a:t> : 11.3</a:t>
+            </a:r>
+          </a:p>
+          <a:p>
+            <a:r>
+              <a:rPr lang="en-US" altLang="ko-KR" dirty="0"/>
+              <a:t>GPU : GeForce</a:t>
+            </a:r>
+            <a:r>
+              <a:rPr lang="ko-KR" altLang="en-US" dirty="0"/>
+              <a:t> </a:t>
+            </a:r>
+            <a:r>
+              <a:rPr lang="en-US" altLang="ko-KR" dirty="0"/>
+              <a:t>GTX 1060 3GB</a:t>
             </a:r>
           </a:p>
         </p:txBody>
@@ -3808,8 +3845,8 @@
         </p:blipFill>
         <p:spPr>
           <a:xfrm>
-            <a:off x="356970" y="1747179"/>
-            <a:ext cx="7499621" cy="3363642"/>
+            <a:off x="356971" y="1747179"/>
+            <a:ext cx="6932830" cy="3109432"/>
           </a:xfrm>
           <a:prstGeom prst="rect">
             <a:avLst/>
